--- a/Lectures/Lec13.approximate-methods.given.pptx
+++ b/Lectures/Lec13.approximate-methods.given.pptx
@@ -5056,7 +5056,7 @@
         </p:spPr>
         <p:txBody>
           <a:bodyPr>
-            <a:normAutofit fontScale="92500"/>
+            <a:normAutofit fontScale="55000" lnSpcReduction="20000"/>
           </a:bodyPr>
           <a:lstStyle/>
           <a:p>
@@ -5083,8 +5083,81 @@
                   <a:schemeClr val="tx1"/>
                 </a:solidFill>
               </a:rPr>
-              <a:t>Some figures from Wikipedia/Google image search</a:t>
-            </a:r>
+              <a:t>Some figures </a:t>
+            </a:r>
+            <a:r>
+              <a:rPr lang="en-US" dirty="0" smtClean="0">
+                <a:solidFill>
+                  <a:schemeClr val="tx1"/>
+                </a:solidFill>
+              </a:rPr>
+              <a:t>from: </a:t>
+            </a:r>
+            <a:r>
+              <a:rPr lang="en-US" dirty="0">
+                <a:solidFill>
+                  <a:schemeClr val="tx1"/>
+                </a:solidFill>
+              </a:rPr>
+              <a:t>Wikipedia/Google image </a:t>
+            </a:r>
+            <a:r>
+              <a:rPr lang="en-US" dirty="0" smtClean="0">
+                <a:solidFill>
+                  <a:schemeClr val="tx1"/>
+                </a:solidFill>
+              </a:rPr>
+              <a:t>search;</a:t>
+            </a:r>
+          </a:p>
+          <a:p>
+            <a:r>
+              <a:rPr lang="en-US" dirty="0" smtClean="0">
+                <a:solidFill>
+                  <a:schemeClr val="tx1"/>
+                </a:solidFill>
+              </a:rPr>
+              <a:t> </a:t>
+            </a:r>
+            <a:r>
+              <a:rPr lang="en-US" dirty="0" smtClean="0"/>
+              <a:t>J</a:t>
+            </a:r>
+            <a:r>
+              <a:rPr lang="en-US" dirty="0"/>
+              <a:t>. </a:t>
+            </a:r>
+            <a:r>
+              <a:rPr lang="en-US" dirty="0" err="1"/>
+              <a:t>Leskovec</a:t>
+            </a:r>
+            <a:r>
+              <a:rPr lang="en-US" dirty="0"/>
+              <a:t>, A. </a:t>
+            </a:r>
+            <a:r>
+              <a:rPr lang="en-US" dirty="0" err="1"/>
+              <a:t>Rajaraman</a:t>
+            </a:r>
+            <a:r>
+              <a:rPr lang="en-US" dirty="0"/>
+              <a:t>, J. Ullman: Mining of Massive Datasets, http://www.mmds.org </a:t>
+            </a:r>
+          </a:p>
+          <a:p>
+            <a:r>
+              <a:rPr lang="en-US" dirty="0" smtClean="0">
+                <a:solidFill>
+                  <a:schemeClr val="tx1"/>
+                </a:solidFill>
+              </a:rPr>
+              <a:t> </a:t>
+            </a:r>
+            <a:endParaRPr lang="en-US" dirty="0">
+              <a:solidFill>
+                <a:schemeClr val="tx1"/>
+              </a:solidFill>
+            </a:endParaRPr>
           </a:p>
         </p:txBody>
       </p:sp>
@@ -5158,8 +5231,13 @@
           <a:p>
             <a:r>
               <a:rPr lang="en-US" sz="3600" dirty="0"/>
-              <a:t>Lecture 13: Approximate nearest neighbors</a:t>
-            </a:r>
+              <a:t>Lecture 13: </a:t>
+            </a:r>
+            <a:r>
+              <a:rPr lang="en-US" sz="3600" smtClean="0"/>
+              <a:t>Streaming algorithms</a:t>
+            </a:r>
+            <a:endParaRPr lang="en-US" sz="3600" dirty="0"/>
           </a:p>
         </p:txBody>
       </p:sp>
@@ -5173,6 +5251,13 @@
   <p:clrMapOvr>
     <a:masterClrMapping/>
   </p:clrMapOvr>
+  <p:timing>
+    <p:tnLst>
+      <p:par>
+        <p:cTn id="1" dur="indefinite" restart="never" nodeType="tmRoot"/>
+      </p:par>
+    </p:tnLst>
+  </p:timing>
 </p:sld>
 </file>
 
@@ -5259,7 +5344,13 @@
                       <a:rPr lang="en-US" i="1" dirty="0" smtClean="0">
                         <a:latin typeface="Cambria Math" panose="02040503050406030204" pitchFamily="18" charset="0"/>
                       </a:rPr>
-                      <m:t>−1</m:t>
+                      <m:t>−</m:t>
+                    </m:r>
+                    <m:r>
+                      <a:rPr lang="en-US" i="1" dirty="0" smtClean="0">
+                        <a:latin typeface="Cambria Math" panose="02040503050406030204" pitchFamily="18" charset="0"/>
+                      </a:rPr>
+                      <m:t>1</m:t>
                     </m:r>
                   </m:oMath>
                 </a14:m>
@@ -5382,7 +5473,19 @@
                       <a:rPr lang="en-US" b="0" i="1" smtClean="0">
                         <a:latin typeface="Cambria Math" panose="02040503050406030204" pitchFamily="18" charset="0"/>
                       </a:rPr>
-                      <m:t>=1/</m:t>
+                      <m:t>=</m:t>
+                    </m:r>
+                    <m:r>
+                      <a:rPr lang="en-US" b="0" i="1" smtClean="0">
+                        <a:latin typeface="Cambria Math" panose="02040503050406030204" pitchFamily="18" charset="0"/>
+                      </a:rPr>
+                      <m:t>1</m:t>
+                    </m:r>
+                    <m:r>
+                      <a:rPr lang="en-US" b="0" i="1" smtClean="0">
+                        <a:latin typeface="Cambria Math" panose="02040503050406030204" pitchFamily="18" charset="0"/>
+                      </a:rPr>
+                      <m:t>/</m:t>
                     </m:r>
                     <m:r>
                       <a:rPr lang="en-US" b="0" i="1" smtClean="0">
@@ -5893,6 +5996,13 @@
   <p:clrMapOvr>
     <a:masterClrMapping/>
   </p:clrMapOvr>
+  <p:timing>
+    <p:tnLst>
+      <p:par>
+        <p:cTn id="1" dur="indefinite" restart="never" nodeType="tmRoot"/>
+      </p:par>
+    </p:tnLst>
+  </p:timing>
 </p:sld>
 </file>
 
@@ -6277,6 +6387,13 @@
   <p:clrMapOvr>
     <a:masterClrMapping/>
   </p:clrMapOvr>
+  <p:timing>
+    <p:tnLst>
+      <p:par>
+        <p:cTn id="1" dur="indefinite" restart="never" nodeType="tmRoot"/>
+      </p:par>
+    </p:tnLst>
+  </p:timing>
 </p:sld>
 </file>
 
@@ -6319,8 +6436,8 @@
           </a:p>
         </p:txBody>
       </p:sp>
-      <mc:AlternateContent xmlns:mc="http://schemas.openxmlformats.org/markup-compatibility/2006">
-        <mc:Choice xmlns:a14="http://schemas.microsoft.com/office/drawing/2010/main" Requires="a14">
+      <mc:AlternateContent xmlns:mc="http://schemas.openxmlformats.org/markup-compatibility/2006" xmlns:a14="http://schemas.microsoft.com/office/drawing/2010/main">
+        <mc:Choice Requires="a14">
           <p:sp>
             <p:nvSpPr>
               <p:cNvPr id="3" name="Content Placeholder 2"/>
@@ -6524,13 +6641,7 @@
                             <a:rPr lang="en-US" b="0" i="1" smtClean="0">
                               <a:latin typeface="Cambria Math" panose="02040503050406030204" pitchFamily="18" charset="0"/>
                             </a:rPr>
-                            <m:t>=</m:t>
-                          </m:r>
-                          <m:r>
-                            <a:rPr lang="en-US" b="0" i="1" smtClean="0">
-                              <a:latin typeface="Cambria Math" panose="02040503050406030204" pitchFamily="18" charset="0"/>
-                            </a:rPr>
-                            <m:t>0</m:t>
+                            <m:t>=0</m:t>
                           </m:r>
                         </m:sub>
                         <m:sup>
@@ -6544,13 +6655,7 @@
                             <a:rPr lang="en-US" b="0" i="1" smtClean="0">
                               <a:latin typeface="Cambria Math" panose="02040503050406030204" pitchFamily="18" charset="0"/>
                             </a:rPr>
-                            <m:t>−</m:t>
-                          </m:r>
-                          <m:r>
-                            <a:rPr lang="en-US" b="0" i="1" smtClean="0">
-                              <a:latin typeface="Cambria Math" panose="02040503050406030204" pitchFamily="18" charset="0"/>
-                            </a:rPr>
-                            <m:t>1</m:t>
+                            <m:t>−1</m:t>
                           </m:r>
                         </m:sup>
                         <m:e>
@@ -6701,13 +6806,7 @@
                             <a:rPr lang="en-US" i="1">
                               <a:latin typeface="Cambria Math" panose="02040503050406030204" pitchFamily="18" charset="0"/>
                             </a:rPr>
-                            <m:t>=</m:t>
-                          </m:r>
-                          <m:r>
-                            <a:rPr lang="en-US" i="1">
-                              <a:latin typeface="Cambria Math" panose="02040503050406030204" pitchFamily="18" charset="0"/>
-                            </a:rPr>
-                            <m:t>0</m:t>
+                            <m:t>=0</m:t>
                           </m:r>
                         </m:sub>
                         <m:sup>
@@ -6721,13 +6820,7 @@
                             <a:rPr lang="en-US" i="1">
                               <a:latin typeface="Cambria Math" panose="02040503050406030204" pitchFamily="18" charset="0"/>
                             </a:rPr>
-                            <m:t>−</m:t>
-                          </m:r>
-                          <m:r>
-                            <a:rPr lang="en-US" i="1">
-                              <a:latin typeface="Cambria Math" panose="02040503050406030204" pitchFamily="18" charset="0"/>
-                            </a:rPr>
-                            <m:t>1</m:t>
+                            <m:t>−1</m:t>
                           </m:r>
                         </m:sup>
                         <m:e>
@@ -6790,13 +6883,7 @@
                                     <a:rPr lang="en-US" b="0" i="1" smtClean="0">
                                       <a:latin typeface="Cambria Math" panose="02040503050406030204" pitchFamily="18" charset="0"/>
                                     </a:rPr>
-                                    <m:t>1</m:t>
-                                  </m:r>
-                                  <m:r>
-                                    <a:rPr lang="en-US" b="0" i="1" smtClean="0">
-                                      <a:latin typeface="Cambria Math" panose="02040503050406030204" pitchFamily="18" charset="0"/>
-                                    </a:rPr>
-                                    <m:t>−</m:t>
+                                    <m:t>1−</m:t>
                                   </m:r>
                                   <m:r>
                                     <a:rPr lang="en-US" b="0" i="1" smtClean="0">
@@ -6833,7 +6920,7 @@
             </p:txBody>
           </p:sp>
         </mc:Choice>
-        <mc:Fallback>
+        <mc:Fallback xmlns="">
           <p:sp>
             <p:nvSpPr>
               <p:cNvPr id="3" name="Content Placeholder 2"/>
@@ -7628,6 +7715,13 @@
   <p:clrMapOvr>
     <a:masterClrMapping/>
   </p:clrMapOvr>
+  <p:timing>
+    <p:tnLst>
+      <p:par>
+        <p:cTn id="1" dur="indefinite" restart="never" nodeType="tmRoot"/>
+      </p:par>
+    </p:tnLst>
+  </p:timing>
 </p:sld>
 </file>
 
@@ -7796,6 +7890,13 @@
   <p:clrMapOvr>
     <a:masterClrMapping/>
   </p:clrMapOvr>
+  <p:timing>
+    <p:tnLst>
+      <p:par>
+        <p:cTn id="1" dur="indefinite" restart="never" nodeType="tmRoot"/>
+      </p:par>
+    </p:tnLst>
+  </p:timing>
 </p:sld>
 </file>
 
@@ -7889,6 +7990,13 @@
   <p:clrMapOvr>
     <a:masterClrMapping/>
   </p:clrMapOvr>
+  <p:timing>
+    <p:tnLst>
+      <p:par>
+        <p:cTn id="1" dur="indefinite" restart="never" nodeType="tmRoot"/>
+      </p:par>
+    </p:tnLst>
+  </p:timing>
 </p:sld>
 </file>
 
